--- a/files/TRDAiR_practicalities.pptx
+++ b/files/TRDAiR_practicalities.pptx
@@ -5,7 +5,7 @@
     <p:sldMasterId id="2147483660" r:id="rId1"/>
   </p:sldMasterIdLst>
   <p:notesMasterIdLst>
-    <p:notesMasterId r:id="rId10"/>
+    <p:notesMasterId r:id="rId12"/>
   </p:notesMasterIdLst>
   <p:sldIdLst>
     <p:sldId id="301" r:id="rId2"/>
@@ -15,7 +15,9 @@
     <p:sldId id="341" r:id="rId6"/>
     <p:sldId id="345" r:id="rId7"/>
     <p:sldId id="352" r:id="rId8"/>
-    <p:sldId id="347" r:id="rId9"/>
+    <p:sldId id="353" r:id="rId9"/>
+    <p:sldId id="347" r:id="rId10"/>
+    <p:sldId id="354" r:id="rId11"/>
   </p:sldIdLst>
   <p:sldSz cx="12192000" cy="6858000"/>
   <p:notesSz cx="6858000" cy="9144000"/>
@@ -116,7 +118,18 @@
   </p:defaultTextStyle>
   <p:extLst>
     <p:ext uri="{EFAFB233-063F-42B5-8137-9DF3F51BA10A}">
-      <p15:sldGuideLst xmlns:p15="http://schemas.microsoft.com/office/powerpoint/2012/main" xmlns=""/>
+      <p15:sldGuideLst xmlns:p15="http://schemas.microsoft.com/office/powerpoint/2012/main" xmlns="">
+        <p15:guide id="1" orient="horz" pos="2160">
+          <p15:clr>
+            <a:srgbClr val="A4A3A4"/>
+          </p15:clr>
+        </p15:guide>
+        <p15:guide id="2" pos="3840">
+          <p15:clr>
+            <a:srgbClr val="A4A3A4"/>
+          </p15:clr>
+        </p15:guide>
+      </p15:sldGuideLst>
     </p:ext>
   </p:extLst>
 </p:presentation>
@@ -6248,6 +6261,126 @@
 </p:notes>
 </file>
 
+<file path=ppt/notesSlides/notesSlide5.xml><?xml version="1.0" encoding="utf-8"?>
+<p:notes xmlns:a="http://schemas.openxmlformats.org/drawingml/2006/main" xmlns:r="http://schemas.openxmlformats.org/officeDocument/2006/relationships" xmlns:p="http://schemas.openxmlformats.org/presentationml/2006/main">
+  <p:cSld>
+    <p:spTree>
+      <p:nvGrpSpPr>
+        <p:cNvPr id="1" name=""/>
+        <p:cNvGrpSpPr/>
+        <p:nvPr/>
+      </p:nvGrpSpPr>
+      <p:grpSpPr>
+        <a:xfrm>
+          <a:off x="0" y="0"/>
+          <a:ext cx="0" cy="0"/>
+          <a:chOff x="0" y="0"/>
+          <a:chExt cx="0" cy="0"/>
+        </a:xfrm>
+      </p:grpSpPr>
+      <p:sp>
+        <p:nvSpPr>
+          <p:cNvPr id="55297" name="Slide Image Placeholder 1"/>
+          <p:cNvSpPr>
+            <a:spLocks noGrp="1" noRot="1" noChangeAspect="1"/>
+          </p:cNvSpPr>
+          <p:nvPr>
+            <p:ph type="sldImg"/>
+          </p:nvPr>
+        </p:nvSpPr>
+        <p:spPr bwMode="auto">
+          <a:noFill/>
+          <a:ln>
+            <a:solidFill>
+              <a:srgbClr val="000000"/>
+            </a:solidFill>
+            <a:miter lim="800000"/>
+            <a:headEnd/>
+            <a:tailEnd/>
+          </a:ln>
+        </p:spPr>
+      </p:sp>
+      <p:sp>
+        <p:nvSpPr>
+          <p:cNvPr id="55298" name="Notes Placeholder 2"/>
+          <p:cNvSpPr>
+            <a:spLocks noGrp="1"/>
+          </p:cNvSpPr>
+          <p:nvPr>
+            <p:ph type="body" idx="1"/>
+          </p:nvPr>
+        </p:nvSpPr>
+        <p:spPr bwMode="auto">
+          <a:noFill/>
+        </p:spPr>
+        <p:txBody>
+          <a:bodyPr wrap="square" numCol="1" anchor="t" anchorCtr="0" compatLnSpc="1">
+            <a:prstTxWarp prst="textNoShape">
+              <a:avLst/>
+            </a:prstTxWarp>
+          </a:bodyPr>
+          <a:lstStyle/>
+          <a:p>
+            <a:pPr eaLnBrk="1" hangingPunct="1">
+              <a:spcBef>
+                <a:spcPct val="0"/>
+              </a:spcBef>
+            </a:pPr>
+            <a:endParaRPr lang="en-US" dirty="0"/>
+          </a:p>
+        </p:txBody>
+      </p:sp>
+      <p:sp>
+        <p:nvSpPr>
+          <p:cNvPr id="55299" name="Slide Number Placeholder 3"/>
+          <p:cNvSpPr txBox="1">
+            <a:spLocks noGrp="1"/>
+          </p:cNvSpPr>
+          <p:nvPr/>
+        </p:nvSpPr>
+        <p:spPr bwMode="auto">
+          <a:xfrm>
+            <a:off x="3884613" y="8685213"/>
+            <a:ext cx="2971800" cy="457200"/>
+          </a:xfrm>
+          <a:prstGeom prst="rect">
+            <a:avLst/>
+          </a:prstGeom>
+          <a:noFill/>
+          <a:ln w="9525">
+            <a:noFill/>
+            <a:miter lim="800000"/>
+            <a:headEnd/>
+            <a:tailEnd/>
+          </a:ln>
+        </p:spPr>
+        <p:txBody>
+          <a:bodyPr anchor="b"/>
+          <a:lstStyle/>
+          <a:p>
+            <a:pPr algn="r"/>
+            <a:fld id="{033316ED-EF2A-493C-822E-B0042BE3D315}" type="slidenum">
+              <a:rPr lang="en-US" sz="1200"/>
+              <a:pPr algn="r"/>
+              <a:t>10</a:t>
+            </a:fld>
+            <a:endParaRPr lang="en-US" sz="1200" dirty="0"/>
+          </a:p>
+        </p:txBody>
+      </p:sp>
+    </p:spTree>
+    <p:extLst>
+      <p:ext uri="{BB962C8B-B14F-4D97-AF65-F5344CB8AC3E}">
+        <p14:creationId xmlns:p14="http://schemas.microsoft.com/office/powerpoint/2010/main" val="1445248690"/>
+      </p:ext>
+    </p:extLst>
+  </p:cSld>
+  <p:clrMapOvr>
+    <a:masterClrMapping/>
+  </p:clrMapOvr>
+</p:notes>
+</file>
+
 <file path=ppt/slideLayouts/slideLayout1.xml><?xml version="1.0" encoding="utf-8"?>
 <p:sldLayout xmlns:a="http://schemas.openxmlformats.org/drawingml/2006/main" xmlns:r="http://schemas.openxmlformats.org/officeDocument/2006/relationships" xmlns:p="http://schemas.openxmlformats.org/presentationml/2006/main" type="title" preserve="1">
   <p:cSld name="Title Slide">
@@ -9749,6 +9882,683 @@
 </p:sld>
 </file>
 
+<file path=ppt/slides/slide10.xml><?xml version="1.0" encoding="utf-8"?>
+<p:sld xmlns:a="http://schemas.openxmlformats.org/drawingml/2006/main" xmlns:r="http://schemas.openxmlformats.org/officeDocument/2006/relationships" xmlns:p="http://schemas.openxmlformats.org/presentationml/2006/main">
+  <p:cSld>
+    <p:spTree>
+      <p:nvGrpSpPr>
+        <p:cNvPr id="1" name=""/>
+        <p:cNvGrpSpPr/>
+        <p:nvPr/>
+      </p:nvGrpSpPr>
+      <p:grpSpPr>
+        <a:xfrm>
+          <a:off x="0" y="0"/>
+          <a:ext cx="0" cy="0"/>
+          <a:chOff x="0" y="0"/>
+          <a:chExt cx="0" cy="0"/>
+        </a:xfrm>
+      </p:grpSpPr>
+      <p:sp>
+        <p:nvSpPr>
+          <p:cNvPr id="71" name="Rectangle 70">
+            <a:extLst>
+              <a:ext uri="{FF2B5EF4-FFF2-40B4-BE49-F238E27FC236}">
+                <a16:creationId xmlns:a16="http://schemas.microsoft.com/office/drawing/2014/main" xmlns="" id="{E4F9F79B-A093-478E-96B5-EE02BC93A858}"/>
+              </a:ext>
+            </a:extLst>
+          </p:cNvPr>
+          <p:cNvSpPr>
+            <a:spLocks noGrp="1" noRot="1" noChangeAspect="1" noMove="1" noResize="1" noEditPoints="1" noAdjustHandles="1" noChangeArrowheads="1" noChangeShapeType="1" noTextEdit="1"/>
+          </p:cNvSpPr>
+          <p:nvPr>
+            <p:extLst>
+              <p:ext uri="{386F3935-93C4-4BCD-93E2-E3B085C9AB24}">
+                <p16:designElem xmlns="" xmlns:p16="http://schemas.microsoft.com/office/powerpoint/2015/main" val="1"/>
+              </p:ext>
+            </p:extLst>
+          </p:nvPr>
+        </p:nvSpPr>
+        <p:spPr>
+          <a:xfrm>
+            <a:off x="0" y="0"/>
+            <a:ext cx="12192000" cy="6858000"/>
+          </a:xfrm>
+          <a:prstGeom prst="rect">
+            <a:avLst/>
+          </a:prstGeom>
+          <a:solidFill>
+            <a:schemeClr val="bg2">
+              <a:lumMod val="50000"/>
+            </a:schemeClr>
+          </a:solidFill>
+          <a:ln>
+            <a:noFill/>
+          </a:ln>
+        </p:spPr>
+        <p:style>
+          <a:lnRef idx="2">
+            <a:schemeClr val="accent1">
+              <a:shade val="50000"/>
+            </a:schemeClr>
+          </a:lnRef>
+          <a:fillRef idx="1">
+            <a:schemeClr val="accent1"/>
+          </a:fillRef>
+          <a:effectRef idx="0">
+            <a:schemeClr val="accent1"/>
+          </a:effectRef>
+          <a:fontRef idx="minor">
+            <a:schemeClr val="lt1"/>
+          </a:fontRef>
+        </p:style>
+        <p:txBody>
+          <a:bodyPr rtlCol="0" anchor="ctr"/>
+          <a:lstStyle/>
+          <a:p>
+            <a:pPr marL="0" marR="0" lvl="0" indent="0" algn="ctr" defTabSz="914400" rtl="0" eaLnBrk="1" fontAlgn="auto" latinLnBrk="0" hangingPunct="1">
+              <a:lnSpc>
+                <a:spcPct val="100000"/>
+              </a:lnSpc>
+              <a:spcBef>
+                <a:spcPts val="0"/>
+              </a:spcBef>
+              <a:spcAft>
+                <a:spcPts val="0"/>
+              </a:spcAft>
+              <a:buClrTx/>
+              <a:buSzTx/>
+              <a:buFontTx/>
+              <a:buNone/>
+              <a:tabLst/>
+              <a:defRPr/>
+            </a:pPr>
+            <a:endParaRPr kumimoji="0" lang="en-US" sz="1800" b="0" i="0" u="none" strike="noStrike" kern="1200" cap="none" spc="0" normalizeH="0" baseline="0" noProof="0">
+              <a:ln>
+                <a:noFill/>
+              </a:ln>
+              <a:solidFill>
+                <a:prstClr val="white"/>
+              </a:solidFill>
+              <a:effectLst/>
+              <a:uLnTx/>
+              <a:uFillTx/>
+              <a:latin typeface="Calibri" panose="020F0502020204030204"/>
+              <a:ea typeface="+mn-ea"/>
+              <a:cs typeface="+mn-cs"/>
+            </a:endParaRPr>
+          </a:p>
+        </p:txBody>
+      </p:sp>
+      <p:cxnSp>
+        <p:nvCxnSpPr>
+          <p:cNvPr id="73" name="Straight Connector 72">
+            <a:extLst>
+              <a:ext uri="{FF2B5EF4-FFF2-40B4-BE49-F238E27FC236}">
+                <a16:creationId xmlns:a16="http://schemas.microsoft.com/office/drawing/2014/main" xmlns="" id="{D4C22394-EBC2-4FAF-A555-6C02D589EED7}"/>
+              </a:ext>
+            </a:extLst>
+          </p:cNvPr>
+          <p:cNvCxnSpPr>
+            <a:cxnSpLocks noGrp="1" noRot="1" noChangeAspect="1" noMove="1" noResize="1" noEditPoints="1" noAdjustHandles="1" noChangeArrowheads="1" noChangeShapeType="1"/>
+          </p:cNvCxnSpPr>
+          <p:nvPr>
+            <p:extLst>
+              <p:ext uri="{386F3935-93C4-4BCD-93E2-E3B085C9AB24}">
+                <p16:designElem xmlns="" xmlns:p16="http://schemas.microsoft.com/office/powerpoint/2015/main" val="1"/>
+              </p:ext>
+            </p:extLst>
+          </p:nvPr>
+        </p:nvCxnSpPr>
+        <p:spPr>
+          <a:xfrm rot="16200000">
+            <a:off x="1508760" y="3431556"/>
+            <a:ext cx="0" cy="1737360"/>
+          </a:xfrm>
+          <a:prstGeom prst="line">
+            <a:avLst/>
+          </a:prstGeom>
+          <a:ln w="19050" cap="sq">
+            <a:solidFill>
+              <a:schemeClr val="tx1"/>
+            </a:solidFill>
+          </a:ln>
+        </p:spPr>
+        <p:style>
+          <a:lnRef idx="1">
+            <a:schemeClr val="accent1"/>
+          </a:lnRef>
+          <a:fillRef idx="0">
+            <a:schemeClr val="accent1"/>
+          </a:fillRef>
+          <a:effectRef idx="0">
+            <a:schemeClr val="accent1"/>
+          </a:effectRef>
+          <a:fontRef idx="minor">
+            <a:schemeClr val="tx1"/>
+          </a:fontRef>
+        </p:style>
+      </p:cxnSp>
+      <p:sp>
+        <p:nvSpPr>
+          <p:cNvPr id="75" name="Oval 74">
+            <a:extLst>
+              <a:ext uri="{FF2B5EF4-FFF2-40B4-BE49-F238E27FC236}">
+                <a16:creationId xmlns:a16="http://schemas.microsoft.com/office/drawing/2014/main" xmlns="" id="{F7194F93-1F71-4A70-9DF1-28F183771111}"/>
+              </a:ext>
+            </a:extLst>
+          </p:cNvPr>
+          <p:cNvSpPr>
+            <a:spLocks noGrp="1" noRot="1" noChangeAspect="1" noMove="1" noResize="1" noEditPoints="1" noAdjustHandles="1" noChangeArrowheads="1" noChangeShapeType="1" noTextEdit="1"/>
+          </p:cNvSpPr>
+          <p:nvPr>
+            <p:extLst>
+              <p:ext uri="{386F3935-93C4-4BCD-93E2-E3B085C9AB24}">
+                <p16:designElem xmlns="" xmlns:p16="http://schemas.microsoft.com/office/powerpoint/2015/main" val="1"/>
+              </p:ext>
+            </p:extLst>
+          </p:nvPr>
+        </p:nvSpPr>
+        <p:spPr>
+          <a:xfrm>
+            <a:off x="8732897" y="5004581"/>
+            <a:ext cx="962395" cy="962395"/>
+          </a:xfrm>
+          <a:prstGeom prst="ellipse">
+            <a:avLst/>
+          </a:prstGeom>
+          <a:solidFill>
+            <a:srgbClr val="FFDC36"/>
+          </a:solidFill>
+          <a:ln>
+            <a:noFill/>
+          </a:ln>
+        </p:spPr>
+        <p:style>
+          <a:lnRef idx="2">
+            <a:schemeClr val="accent1">
+              <a:shade val="50000"/>
+            </a:schemeClr>
+          </a:lnRef>
+          <a:fillRef idx="1">
+            <a:schemeClr val="accent1"/>
+          </a:fillRef>
+          <a:effectRef idx="0">
+            <a:schemeClr val="accent1"/>
+          </a:effectRef>
+          <a:fontRef idx="minor">
+            <a:schemeClr val="lt1"/>
+          </a:fontRef>
+        </p:style>
+        <p:txBody>
+          <a:bodyPr rtlCol="0" anchor="ctr"/>
+          <a:lstStyle/>
+          <a:p>
+            <a:pPr marL="0" marR="0" lvl="0" indent="0" algn="ctr" defTabSz="914400" rtl="0" eaLnBrk="1" fontAlgn="auto" latinLnBrk="0" hangingPunct="1">
+              <a:lnSpc>
+                <a:spcPct val="100000"/>
+              </a:lnSpc>
+              <a:spcBef>
+                <a:spcPts val="0"/>
+              </a:spcBef>
+              <a:spcAft>
+                <a:spcPts val="0"/>
+              </a:spcAft>
+              <a:buClrTx/>
+              <a:buSzTx/>
+              <a:buFontTx/>
+              <a:buNone/>
+              <a:tabLst/>
+              <a:defRPr/>
+            </a:pPr>
+            <a:endParaRPr kumimoji="0" lang="en-US" sz="1800" b="0" i="0" u="none" strike="noStrike" kern="1200" cap="none" spc="0" normalizeH="0" baseline="0" noProof="0">
+              <a:ln>
+                <a:noFill/>
+              </a:ln>
+              <a:solidFill>
+                <a:prstClr val="white"/>
+              </a:solidFill>
+              <a:effectLst/>
+              <a:uLnTx/>
+              <a:uFillTx/>
+              <a:latin typeface="Calibri" panose="020F0502020204030204"/>
+              <a:ea typeface="+mn-ea"/>
+              <a:cs typeface="+mn-cs"/>
+            </a:endParaRPr>
+          </a:p>
+        </p:txBody>
+      </p:sp>
+      <p:sp>
+        <p:nvSpPr>
+          <p:cNvPr id="77" name="Oval 76">
+            <a:extLst>
+              <a:ext uri="{FF2B5EF4-FFF2-40B4-BE49-F238E27FC236}">
+                <a16:creationId xmlns:a16="http://schemas.microsoft.com/office/drawing/2014/main" xmlns="" id="{9BBC0C84-DC2A-43AE-9576-0A44295E8B9C}"/>
+              </a:ext>
+            </a:extLst>
+          </p:cNvPr>
+          <p:cNvSpPr>
+            <a:spLocks noGrp="1" noRot="1" noChangeAspect="1" noMove="1" noResize="1" noEditPoints="1" noAdjustHandles="1" noChangeArrowheads="1" noChangeShapeType="1" noTextEdit="1"/>
+          </p:cNvSpPr>
+          <p:nvPr>
+            <p:extLst>
+              <p:ext uri="{386F3935-93C4-4BCD-93E2-E3B085C9AB24}">
+                <p16:designElem xmlns="" xmlns:p16="http://schemas.microsoft.com/office/powerpoint/2015/main" val="1"/>
+              </p:ext>
+            </p:extLst>
+          </p:nvPr>
+        </p:nvSpPr>
+        <p:spPr>
+          <a:xfrm>
+            <a:off x="10463725" y="4865965"/>
+            <a:ext cx="293695" cy="293695"/>
+          </a:xfrm>
+          <a:prstGeom prst="ellipse">
+            <a:avLst/>
+          </a:prstGeom>
+          <a:solidFill>
+            <a:srgbClr val="BE4D00"/>
+          </a:solidFill>
+          <a:ln>
+            <a:noFill/>
+          </a:ln>
+        </p:spPr>
+        <p:style>
+          <a:lnRef idx="2">
+            <a:schemeClr val="accent1">
+              <a:shade val="50000"/>
+            </a:schemeClr>
+          </a:lnRef>
+          <a:fillRef idx="1">
+            <a:schemeClr val="accent1"/>
+          </a:fillRef>
+          <a:effectRef idx="0">
+            <a:schemeClr val="accent1"/>
+          </a:effectRef>
+          <a:fontRef idx="minor">
+            <a:schemeClr val="lt1"/>
+          </a:fontRef>
+        </p:style>
+        <p:txBody>
+          <a:bodyPr rtlCol="0" anchor="ctr"/>
+          <a:lstStyle/>
+          <a:p>
+            <a:pPr marL="0" marR="0" lvl="0" indent="0" algn="ctr" defTabSz="914400" rtl="0" eaLnBrk="1" fontAlgn="auto" latinLnBrk="0" hangingPunct="1">
+              <a:lnSpc>
+                <a:spcPct val="100000"/>
+              </a:lnSpc>
+              <a:spcBef>
+                <a:spcPts val="0"/>
+              </a:spcBef>
+              <a:spcAft>
+                <a:spcPts val="0"/>
+              </a:spcAft>
+              <a:buClrTx/>
+              <a:buSzTx/>
+              <a:buFontTx/>
+              <a:buNone/>
+              <a:tabLst/>
+              <a:defRPr/>
+            </a:pPr>
+            <a:endParaRPr kumimoji="0" lang="en-US" sz="1800" b="0" i="0" u="none" strike="noStrike" kern="1200" cap="none" spc="0" normalizeH="0" baseline="0" noProof="0">
+              <a:ln>
+                <a:noFill/>
+              </a:ln>
+              <a:solidFill>
+                <a:prstClr val="white"/>
+              </a:solidFill>
+              <a:effectLst/>
+              <a:uLnTx/>
+              <a:uFillTx/>
+              <a:latin typeface="Calibri" panose="020F0502020204030204"/>
+              <a:ea typeface="+mn-ea"/>
+              <a:cs typeface="+mn-cs"/>
+            </a:endParaRPr>
+          </a:p>
+        </p:txBody>
+      </p:sp>
+      <p:sp>
+        <p:nvSpPr>
+          <p:cNvPr id="79" name="Freeform: Shape 78">
+            <a:extLst>
+              <a:ext uri="{FF2B5EF4-FFF2-40B4-BE49-F238E27FC236}">
+                <a16:creationId xmlns:a16="http://schemas.microsoft.com/office/drawing/2014/main" xmlns="" id="{11394CD8-BD30-4B74-86F4-51FDF3383419}"/>
+              </a:ext>
+            </a:extLst>
+          </p:cNvPr>
+          <p:cNvSpPr>
+            <a:spLocks noGrp="1" noRot="1" noChangeAspect="1" noMove="1" noResize="1" noEditPoints="1" noAdjustHandles="1" noChangeArrowheads="1" noChangeShapeType="1" noTextEdit="1"/>
+          </p:cNvSpPr>
+          <p:nvPr>
+            <p:extLst>
+              <p:ext uri="{386F3935-93C4-4BCD-93E2-E3B085C9AB24}">
+                <p16:designElem xmlns="" xmlns:p16="http://schemas.microsoft.com/office/powerpoint/2015/main" val="1"/>
+              </p:ext>
+            </p:extLst>
+          </p:nvPr>
+        </p:nvSpPr>
+        <p:spPr>
+          <a:xfrm>
+            <a:off x="6492113" y="0"/>
+            <a:ext cx="5699887" cy="4059244"/>
+          </a:xfrm>
+          <a:custGeom>
+            <a:avLst/>
+            <a:gdLst>
+              <a:gd name="connsiteX0" fmla="*/ 0 w 5699887"/>
+              <a:gd name="connsiteY0" fmla="*/ 0 h 4059244"/>
+              <a:gd name="connsiteX1" fmla="*/ 5699887 w 5699887"/>
+              <a:gd name="connsiteY1" fmla="*/ 0 h 4059244"/>
+              <a:gd name="connsiteX2" fmla="*/ 5699887 w 5699887"/>
+              <a:gd name="connsiteY2" fmla="*/ 3944096 h 4059244"/>
+              <a:gd name="connsiteX3" fmla="*/ 5525775 w 5699887"/>
+              <a:gd name="connsiteY3" fmla="*/ 3980429 h 4059244"/>
+              <a:gd name="connsiteX4" fmla="*/ 4663256 w 5699887"/>
+              <a:gd name="connsiteY4" fmla="*/ 4059244 h 4059244"/>
+              <a:gd name="connsiteX5" fmla="*/ 8566 w 5699887"/>
+              <a:gd name="connsiteY5" fmla="*/ 67422 h 4059244"/>
+            </a:gdLst>
+            <a:ahLst/>
+            <a:cxnLst>
+              <a:cxn ang="0">
+                <a:pos x="connsiteX0" y="connsiteY0"/>
+              </a:cxn>
+              <a:cxn ang="0">
+                <a:pos x="connsiteX1" y="connsiteY1"/>
+              </a:cxn>
+              <a:cxn ang="0">
+                <a:pos x="connsiteX2" y="connsiteY2"/>
+              </a:cxn>
+              <a:cxn ang="0">
+                <a:pos x="connsiteX3" y="connsiteY3"/>
+              </a:cxn>
+              <a:cxn ang="0">
+                <a:pos x="connsiteX4" y="connsiteY4"/>
+              </a:cxn>
+              <a:cxn ang="0">
+                <a:pos x="connsiteX5" y="connsiteY5"/>
+              </a:cxn>
+            </a:cxnLst>
+            <a:rect l="l" t="t" r="r" b="b"/>
+            <a:pathLst>
+              <a:path w="5699887" h="4059244">
+                <a:moveTo>
+                  <a:pt x="0" y="0"/>
+                </a:moveTo>
+                <a:lnTo>
+                  <a:pt x="5699887" y="0"/>
+                </a:lnTo>
+                <a:lnTo>
+                  <a:pt x="5699887" y="3944096"/>
+                </a:lnTo>
+                <a:lnTo>
+                  <a:pt x="5525775" y="3980429"/>
+                </a:lnTo>
+                <a:cubicBezTo>
+                  <a:pt x="5246154" y="4032190"/>
+                  <a:pt x="4957865" y="4059244"/>
+                  <a:pt x="4663256" y="4059244"/>
+                </a:cubicBezTo>
+                <a:cubicBezTo>
+                  <a:pt x="2306390" y="4059244"/>
+                  <a:pt x="353936" y="2327747"/>
+                  <a:pt x="8566" y="67422"/>
+                </a:cubicBezTo>
+                <a:close/>
+              </a:path>
+            </a:pathLst>
+          </a:custGeom>
+          <a:solidFill>
+            <a:srgbClr val="1E4F77"/>
+          </a:solidFill>
+          <a:ln>
+            <a:noFill/>
+          </a:ln>
+        </p:spPr>
+        <p:style>
+          <a:lnRef idx="2">
+            <a:schemeClr val="accent1">
+              <a:shade val="50000"/>
+            </a:schemeClr>
+          </a:lnRef>
+          <a:fillRef idx="1">
+            <a:schemeClr val="accent1"/>
+          </a:fillRef>
+          <a:effectRef idx="0">
+            <a:schemeClr val="accent1"/>
+          </a:effectRef>
+          <a:fontRef idx="minor">
+            <a:schemeClr val="lt1"/>
+          </a:fontRef>
+        </p:style>
+        <p:txBody>
+          <a:bodyPr rtlCol="0" anchor="ctr"/>
+          <a:lstStyle/>
+          <a:p>
+            <a:pPr marL="0" marR="0" lvl="0" indent="0" algn="ctr" defTabSz="914400" rtl="0" eaLnBrk="1" fontAlgn="auto" latinLnBrk="0" hangingPunct="1">
+              <a:lnSpc>
+                <a:spcPct val="100000"/>
+              </a:lnSpc>
+              <a:spcBef>
+                <a:spcPts val="0"/>
+              </a:spcBef>
+              <a:spcAft>
+                <a:spcPts val="0"/>
+              </a:spcAft>
+              <a:buClrTx/>
+              <a:buSzTx/>
+              <a:buFontTx/>
+              <a:buNone/>
+              <a:tabLst/>
+              <a:defRPr/>
+            </a:pPr>
+            <a:endParaRPr kumimoji="0" lang="en-US" sz="1800" b="0" i="0" u="none" strike="noStrike" kern="1200" cap="none" spc="0" normalizeH="0" baseline="0" noProof="0">
+              <a:ln>
+                <a:noFill/>
+              </a:ln>
+              <a:solidFill>
+                <a:prstClr val="white"/>
+              </a:solidFill>
+              <a:effectLst/>
+              <a:uLnTx/>
+              <a:uFillTx/>
+              <a:latin typeface="Calibri" panose="020F0502020204030204"/>
+              <a:ea typeface="+mn-ea"/>
+              <a:cs typeface="+mn-cs"/>
+            </a:endParaRPr>
+          </a:p>
+        </p:txBody>
+      </p:sp>
+      <p:sp>
+        <p:nvSpPr>
+          <p:cNvPr id="54273" name="Rectangle 2"/>
+          <p:cNvSpPr>
+            <a:spLocks noGrp="1"/>
+          </p:cNvSpPr>
+          <p:nvPr>
+            <p:ph type="title" idx="4294967295"/>
+          </p:nvPr>
+        </p:nvSpPr>
+        <p:spPr>
+          <a:xfrm>
+            <a:off x="640079" y="4526280"/>
+            <a:ext cx="7410681" cy="1737360"/>
+          </a:xfrm>
+        </p:spPr>
+        <p:txBody>
+          <a:bodyPr vert="horz" lIns="91440" tIns="45720" rIns="91440" bIns="45720" rtlCol="0" anchor="ctr">
+            <a:normAutofit/>
+          </a:bodyPr>
+          <a:lstStyle/>
+          <a:p>
+            <a:r>
+              <a:rPr lang="en-US" sz="4800" cap="all" spc="200" dirty="0" smtClean="0"/>
+              <a:t>Open Minds</a:t>
+            </a:r>
+            <a:endParaRPr lang="en-US" sz="4800" kern="1200" cap="all" spc="200" dirty="0">
+              <a:solidFill>
+                <a:schemeClr val="tx1"/>
+              </a:solidFill>
+              <a:latin typeface="+mj-lt"/>
+              <a:ea typeface="+mj-ea"/>
+              <a:cs typeface="+mj-cs"/>
+            </a:endParaRPr>
+          </a:p>
+        </p:txBody>
+      </p:sp>
+      <p:sp>
+        <p:nvSpPr>
+          <p:cNvPr id="54274" name="Rectangle 3"/>
+          <p:cNvSpPr>
+            <a:spLocks noGrp="1"/>
+          </p:cNvSpPr>
+          <p:nvPr>
+            <p:ph type="body" idx="4294967295"/>
+          </p:nvPr>
+        </p:nvSpPr>
+        <p:spPr>
+          <a:xfrm>
+            <a:off x="148856" y="595293"/>
+            <a:ext cx="6655981" cy="3463951"/>
+          </a:xfrm>
+        </p:spPr>
+        <p:txBody>
+          <a:bodyPr vert="horz" lIns="91440" tIns="45720" rIns="91440" bIns="45720" rtlCol="0" anchor="ctr">
+            <a:normAutofit/>
+          </a:bodyPr>
+          <a:lstStyle/>
+          <a:p>
+            <a:pPr marL="457200" lvl="1" indent="0">
+              <a:buNone/>
+            </a:pPr>
+            <a:r>
+              <a:rPr lang="en-US" sz="4800" dirty="0" smtClean="0">
+                <a:solidFill>
+                  <a:schemeClr val="bg1"/>
+                </a:solidFill>
+              </a:rPr>
+              <a:t>Keeping the bigger picture in mind: </a:t>
+            </a:r>
+            <a:r>
+              <a:rPr lang="en-US" sz="4800" dirty="0" smtClean="0">
+                <a:solidFill>
+                  <a:schemeClr val="bg1"/>
+                </a:solidFill>
+              </a:rPr>
+              <a:t>Reproducible </a:t>
+            </a:r>
+            <a:r>
+              <a:rPr lang="en-US" sz="4800" dirty="0" smtClean="0">
+                <a:solidFill>
+                  <a:schemeClr val="bg1"/>
+                </a:solidFill>
+              </a:rPr>
+              <a:t>science</a:t>
+            </a:r>
+          </a:p>
+        </p:txBody>
+      </p:sp>
+      <p:pic>
+        <p:nvPicPr>
+          <p:cNvPr id="9" name="Picture 8"/>
+          <p:cNvPicPr>
+            <a:picLocks noChangeAspect="1"/>
+          </p:cNvPicPr>
+          <p:nvPr/>
+        </p:nvPicPr>
+        <p:blipFill>
+          <a:blip r:embed="rId3" cstate="print">
+            <a:extLst>
+              <a:ext uri="{28A0092B-C50C-407E-A947-70E740481C1C}">
+                <a14:useLocalDpi xmlns:a14="http://schemas.microsoft.com/office/drawing/2010/main" val="0"/>
+              </a:ext>
+            </a:extLst>
+          </a:blip>
+          <a:stretch>
+            <a:fillRect/>
+          </a:stretch>
+        </p:blipFill>
+        <p:spPr bwMode="auto">
+          <a:xfrm>
+            <a:off x="7090322" y="174667"/>
+            <a:ext cx="4968256" cy="891626"/>
+          </a:xfrm>
+          <a:prstGeom prst="rect">
+            <a:avLst/>
+          </a:prstGeom>
+          <a:noFill/>
+          <a:ln>
+            <a:noFill/>
+          </a:ln>
+        </p:spPr>
+      </p:pic>
+      <p:sp>
+        <p:nvSpPr>
+          <p:cNvPr id="11" name="TextBox 10"/>
+          <p:cNvSpPr txBox="1"/>
+          <p:nvPr/>
+        </p:nvSpPr>
+        <p:spPr>
+          <a:xfrm>
+            <a:off x="6904432" y="1088857"/>
+            <a:ext cx="5259004" cy="461665"/>
+          </a:xfrm>
+          <a:prstGeom prst="rect">
+            <a:avLst/>
+          </a:prstGeom>
+          <a:noFill/>
+        </p:spPr>
+        <p:txBody>
+          <a:bodyPr wrap="none" rtlCol="0">
+            <a:spAutoFit/>
+          </a:bodyPr>
+          <a:lstStyle/>
+          <a:p>
+            <a:r>
+              <a:rPr lang="en-GB" sz="2400" dirty="0">
+                <a:solidFill>
+                  <a:schemeClr val="bg1">
+                    <a:lumMod val="95000"/>
+                  </a:schemeClr>
+                </a:solidFill>
+              </a:rPr>
+              <a:t>Teaching Reproducible Data Analysis in R</a:t>
+            </a:r>
+          </a:p>
+        </p:txBody>
+      </p:sp>
+    </p:spTree>
+    <p:extLst>
+      <p:ext uri="{BB962C8B-B14F-4D97-AF65-F5344CB8AC3E}">
+        <p14:creationId xmlns:p14="http://schemas.microsoft.com/office/powerpoint/2010/main" val="3449381622"/>
+      </p:ext>
+    </p:extLst>
+  </p:cSld>
+  <p:clrMapOvr>
+    <a:masterClrMapping/>
+  </p:clrMapOvr>
+  <mc:AlternateContent xmlns:mc="http://schemas.openxmlformats.org/markup-compatibility/2006" xmlns:p14="http://schemas.microsoft.com/office/powerpoint/2010/main">
+    <mc:Choice Requires="p14">
+      <p:transition spd="med" p14:dur="700">
+        <p:fade/>
+      </p:transition>
+    </mc:Choice>
+    <mc:Fallback xmlns="">
+      <p:transition spd="med">
+        <p:fade/>
+      </p:transition>
+    </mc:Fallback>
+  </mc:AlternateContent>
+  <p:timing>
+    <p:tnLst>
+      <p:par>
+        <p:cTn xmlns:p14="http://schemas.microsoft.com/office/powerpoint/2010/main" id="1" dur="indefinite" restart="never" nodeType="tmRoot"/>
+      </p:par>
+    </p:tnLst>
+  </p:timing>
+</p:sld>
+</file>
+
 <file path=ppt/slides/slide2.xml><?xml version="1.0" encoding="utf-8"?>
 <p:sld xmlns:a="http://schemas.openxmlformats.org/drawingml/2006/main" xmlns:r="http://schemas.openxmlformats.org/officeDocument/2006/relationships" xmlns:p="http://schemas.openxmlformats.org/presentationml/2006/main">
   <p:cSld>
@@ -9988,13 +10798,13 @@
       </p:pic>
       <p:sp>
         <p:nvSpPr>
-          <p:cNvPr id="2" name="TextBox 1"/>
+          <p:cNvPr id="7" name="TextBox 6"/>
           <p:cNvSpPr txBox="1"/>
           <p:nvPr/>
         </p:nvSpPr>
         <p:spPr>
           <a:xfrm>
-            <a:off x="6998113" y="1088857"/>
+            <a:off x="6894023" y="1088857"/>
             <a:ext cx="5259004" cy="461665"/>
           </a:xfrm>
           <a:prstGeom prst="rect">
@@ -10761,17 +11571,7 @@
                   </a:schemeClr>
                 </a:solidFill>
               </a:rPr>
-              <a:t> </a:t>
-            </a:r>
-            <a:r>
-              <a:rPr lang="en-GB" dirty="0" smtClean="0">
-                <a:solidFill>
-                  <a:schemeClr val="bg1">
-                    <a:lumMod val="95000"/>
-                  </a:schemeClr>
-                </a:solidFill>
-              </a:rPr>
-              <a:t>materials can only take us so far</a:t>
+              <a:t> materials can only take us so far</a:t>
             </a:r>
           </a:p>
           <a:p>
@@ -10810,17 +11610,7 @@
                   </a:schemeClr>
                 </a:solidFill>
               </a:rPr>
-              <a:t>Most Psych </a:t>
-            </a:r>
-            <a:r>
-              <a:rPr lang="en-GB" dirty="0" smtClean="0">
-                <a:solidFill>
-                  <a:schemeClr val="bg1">
-                    <a:lumMod val="95000"/>
-                  </a:schemeClr>
-                </a:solidFill>
-              </a:rPr>
-              <a:t>introductory materials are focussed on stats with less focus on data skills</a:t>
+              <a:t>Most Psych introductory materials are focussed on stats with less focus on data skills</a:t>
             </a:r>
           </a:p>
         </p:txBody>
@@ -11446,27 +12236,7 @@
                   </a:schemeClr>
                 </a:solidFill>
               </a:rPr>
-              <a:t>Problem – based approaches: generate and analyse a </a:t>
-            </a:r>
-            <a:r>
-              <a:rPr lang="en-GB" dirty="0" smtClean="0">
-                <a:solidFill>
-                  <a:schemeClr val="bg1">
-                    <a:lumMod val="95000"/>
-                  </a:schemeClr>
-                </a:solidFill>
-              </a:rPr>
-              <a:t>hypothesis </a:t>
-            </a:r>
-            <a:r>
-              <a:rPr lang="en-GB" dirty="0" smtClean="0">
-                <a:solidFill>
-                  <a:schemeClr val="bg1">
-                    <a:lumMod val="95000"/>
-                  </a:schemeClr>
-                </a:solidFill>
-              </a:rPr>
-              <a:t>for a previously unseen dataset/dataset generated by students</a:t>
+              <a:t>Problem – based approaches: generate and analyse a hypothesis for a previously unseen dataset/dataset generated by students</a:t>
             </a:r>
           </a:p>
           <a:p>
@@ -12291,6 +13061,258 @@
 <file path=ppt/slides/slide8.xml><?xml version="1.0" encoding="utf-8"?>
 <p:sld xmlns:a="http://schemas.openxmlformats.org/drawingml/2006/main" xmlns:r="http://schemas.openxmlformats.org/officeDocument/2006/relationships" xmlns:p="http://schemas.openxmlformats.org/presentationml/2006/main">
   <p:cSld>
+    <p:spTree>
+      <p:nvGrpSpPr>
+        <p:cNvPr id="1" name=""/>
+        <p:cNvGrpSpPr/>
+        <p:nvPr/>
+      </p:nvGrpSpPr>
+      <p:grpSpPr>
+        <a:xfrm>
+          <a:off x="0" y="0"/>
+          <a:ext cx="0" cy="0"/>
+          <a:chOff x="0" y="0"/>
+          <a:chExt cx="0" cy="0"/>
+        </a:xfrm>
+      </p:grpSpPr>
+      <p:sp>
+        <p:nvSpPr>
+          <p:cNvPr id="10" name="Rectangle 9"/>
+          <p:cNvSpPr>
+            <a:spLocks noGrp="1" noRot="1" noChangeAspect="1" noMove="1" noResize="1" noEditPoints="1" noAdjustHandles="1" noChangeArrowheads="1" noChangeShapeType="1" noTextEdit="1"/>
+          </p:cNvSpPr>
+          <p:nvPr>
+            <p:extLst>
+              <p:ext uri="{386F3935-93C4-4BCD-93E2-E3B085C9AB24}">
+                <p16:designElem xmlns="" xmlns:p16="http://schemas.microsoft.com/office/powerpoint/2015/main" val="1"/>
+              </p:ext>
+            </p:extLst>
+          </p:nvPr>
+        </p:nvSpPr>
+        <p:spPr>
+          <a:xfrm>
+            <a:off x="0" y="0"/>
+            <a:ext cx="12192000" cy="6858000"/>
+          </a:xfrm>
+          <a:prstGeom prst="rect">
+            <a:avLst/>
+          </a:prstGeom>
+          <a:solidFill>
+            <a:srgbClr val="4E708E"/>
+          </a:solidFill>
+          <a:ln>
+            <a:noFill/>
+          </a:ln>
+        </p:spPr>
+        <p:style>
+          <a:lnRef idx="2">
+            <a:schemeClr val="accent1">
+              <a:shade val="50000"/>
+            </a:schemeClr>
+          </a:lnRef>
+          <a:fillRef idx="1">
+            <a:schemeClr val="accent1"/>
+          </a:fillRef>
+          <a:effectRef idx="0">
+            <a:schemeClr val="accent1"/>
+          </a:effectRef>
+          <a:fontRef idx="minor">
+            <a:schemeClr val="lt1"/>
+          </a:fontRef>
+        </p:style>
+        <p:txBody>
+          <a:bodyPr rtlCol="0" anchor="ctr"/>
+          <a:lstStyle/>
+          <a:p>
+            <a:pPr algn="ctr"/>
+            <a:endParaRPr lang="en-US"/>
+          </a:p>
+        </p:txBody>
+      </p:sp>
+      <p:sp>
+        <p:nvSpPr>
+          <p:cNvPr id="12" name="Rectangle 11"/>
+          <p:cNvSpPr>
+            <a:spLocks noGrp="1" noRot="1" noChangeAspect="1" noMove="1" noResize="1" noEditPoints="1" noAdjustHandles="1" noChangeArrowheads="1" noChangeShapeType="1" noTextEdit="1"/>
+          </p:cNvSpPr>
+          <p:nvPr>
+            <p:extLst>
+              <p:ext uri="{386F3935-93C4-4BCD-93E2-E3B085C9AB24}">
+                <p16:designElem xmlns="" xmlns:p16="http://schemas.microsoft.com/office/powerpoint/2015/main" val="1"/>
+              </p:ext>
+            </p:extLst>
+          </p:nvPr>
+        </p:nvSpPr>
+        <p:spPr>
+          <a:xfrm>
+            <a:off x="6256866" y="480060"/>
+            <a:ext cx="5458122" cy="5897880"/>
+          </a:xfrm>
+          <a:prstGeom prst="rect">
+            <a:avLst/>
+          </a:prstGeom>
+          <a:solidFill>
+            <a:srgbClr val="FFFFFF"/>
+          </a:solidFill>
+          <a:ln>
+            <a:noFill/>
+          </a:ln>
+        </p:spPr>
+        <p:style>
+          <a:lnRef idx="2">
+            <a:schemeClr val="accent1">
+              <a:shade val="50000"/>
+            </a:schemeClr>
+          </a:lnRef>
+          <a:fillRef idx="1">
+            <a:schemeClr val="accent1"/>
+          </a:fillRef>
+          <a:effectRef idx="0">
+            <a:schemeClr val="accent1"/>
+          </a:effectRef>
+          <a:fontRef idx="minor">
+            <a:schemeClr val="lt1"/>
+          </a:fontRef>
+        </p:style>
+        <p:txBody>
+          <a:bodyPr rtlCol="0" anchor="ctr"/>
+          <a:lstStyle/>
+          <a:p>
+            <a:pPr algn="ctr"/>
+            <a:endParaRPr lang="en-US"/>
+          </a:p>
+        </p:txBody>
+      </p:sp>
+      <p:pic>
+        <p:nvPicPr>
+          <p:cNvPr id="5" name="Picture 4"/>
+          <p:cNvPicPr>
+            <a:picLocks noChangeAspect="1"/>
+          </p:cNvPicPr>
+          <p:nvPr/>
+        </p:nvPicPr>
+        <p:blipFill>
+          <a:blip r:embed="rId2">
+            <a:extLst>
+              <a:ext uri="{28A0092B-C50C-407E-A947-70E740481C1C}">
+                <a14:useLocalDpi xmlns:a14="http://schemas.microsoft.com/office/drawing/2010/main" val="0"/>
+              </a:ext>
+            </a:extLst>
+          </a:blip>
+          <a:stretch>
+            <a:fillRect/>
+          </a:stretch>
+        </p:blipFill>
+        <p:spPr>
+          <a:xfrm>
+            <a:off x="6966416" y="643467"/>
+            <a:ext cx="4039022" cy="5571066"/>
+          </a:xfrm>
+          <a:prstGeom prst="rect">
+            <a:avLst/>
+          </a:prstGeom>
+        </p:spPr>
+      </p:pic>
+      <p:sp>
+        <p:nvSpPr>
+          <p:cNvPr id="14" name="Rectangle 13"/>
+          <p:cNvSpPr>
+            <a:spLocks noGrp="1" noRot="1" noChangeAspect="1" noMove="1" noResize="1" noEditPoints="1" noAdjustHandles="1" noChangeArrowheads="1" noChangeShapeType="1" noTextEdit="1"/>
+          </p:cNvSpPr>
+          <p:nvPr>
+            <p:extLst>
+              <p:ext uri="{386F3935-93C4-4BCD-93E2-E3B085C9AB24}">
+                <p16:designElem xmlns="" xmlns:p16="http://schemas.microsoft.com/office/powerpoint/2015/main" val="1"/>
+              </p:ext>
+            </p:extLst>
+          </p:nvPr>
+        </p:nvSpPr>
+        <p:spPr>
+          <a:xfrm>
+            <a:off x="477012" y="480060"/>
+            <a:ext cx="5458121" cy="5897880"/>
+          </a:xfrm>
+          <a:prstGeom prst="rect">
+            <a:avLst/>
+          </a:prstGeom>
+          <a:solidFill>
+            <a:srgbClr val="FFFFFF"/>
+          </a:solidFill>
+          <a:ln>
+            <a:noFill/>
+          </a:ln>
+        </p:spPr>
+        <p:style>
+          <a:lnRef idx="2">
+            <a:schemeClr val="accent1">
+              <a:shade val="50000"/>
+            </a:schemeClr>
+          </a:lnRef>
+          <a:fillRef idx="1">
+            <a:schemeClr val="accent1"/>
+          </a:fillRef>
+          <a:effectRef idx="0">
+            <a:schemeClr val="accent1"/>
+          </a:effectRef>
+          <a:fontRef idx="minor">
+            <a:schemeClr val="lt1"/>
+          </a:fontRef>
+        </p:style>
+        <p:txBody>
+          <a:bodyPr rtlCol="0" anchor="ctr"/>
+          <a:lstStyle/>
+          <a:p>
+            <a:pPr algn="ctr"/>
+            <a:endParaRPr lang="en-US"/>
+          </a:p>
+        </p:txBody>
+      </p:sp>
+      <p:pic>
+        <p:nvPicPr>
+          <p:cNvPr id="4" name="Picture 3"/>
+          <p:cNvPicPr>
+            <a:picLocks noChangeAspect="1"/>
+          </p:cNvPicPr>
+          <p:nvPr/>
+        </p:nvPicPr>
+        <p:blipFill>
+          <a:blip r:embed="rId3">
+            <a:extLst>
+              <a:ext uri="{28A0092B-C50C-407E-A947-70E740481C1C}">
+                <a14:useLocalDpi xmlns:a14="http://schemas.microsoft.com/office/drawing/2010/main" val="0"/>
+              </a:ext>
+            </a:extLst>
+          </a:blip>
+          <a:stretch>
+            <a:fillRect/>
+          </a:stretch>
+        </p:blipFill>
+        <p:spPr>
+          <a:xfrm>
+            <a:off x="1186561" y="643467"/>
+            <a:ext cx="4039022" cy="5571066"/>
+          </a:xfrm>
+          <a:prstGeom prst="rect">
+            <a:avLst/>
+          </a:prstGeom>
+        </p:spPr>
+      </p:pic>
+    </p:spTree>
+    <p:extLst>
+      <p:ext uri="{BB962C8B-B14F-4D97-AF65-F5344CB8AC3E}">
+        <p14:creationId xmlns:p14="http://schemas.microsoft.com/office/powerpoint/2010/main" val="2612718952"/>
+      </p:ext>
+    </p:extLst>
+  </p:cSld>
+  <p:clrMapOvr>
+    <a:masterClrMapping/>
+  </p:clrMapOvr>
+</p:sld>
+</file>
+
+<file path=ppt/slides/slide9.xml><?xml version="1.0" encoding="utf-8"?>
+<p:sld xmlns:a="http://schemas.openxmlformats.org/drawingml/2006/main" xmlns:r="http://schemas.openxmlformats.org/officeDocument/2006/relationships" xmlns:p="http://schemas.openxmlformats.org/presentationml/2006/main">
+  <p:cSld>
     <p:bg>
       <p:bgPr>
         <a:solidFill>
@@ -12343,27 +13365,7 @@
                   </a:schemeClr>
                 </a:solidFill>
               </a:rPr>
-              <a:t>The most surprising </a:t>
-            </a:r>
-            <a:r>
-              <a:rPr lang="en-GB" dirty="0" smtClean="0">
-                <a:solidFill>
-                  <a:schemeClr val="bg1">
-                    <a:lumMod val="95000"/>
-                  </a:schemeClr>
-                </a:solidFill>
-              </a:rPr>
-              <a:t>things </a:t>
-            </a:r>
-            <a:r>
-              <a:rPr lang="en-GB" dirty="0" smtClean="0">
-                <a:solidFill>
-                  <a:schemeClr val="bg1">
-                    <a:lumMod val="95000"/>
-                  </a:schemeClr>
-                </a:solidFill>
-              </a:rPr>
-              <a:t>students find challenging</a:t>
+              <a:t>The most surprising things students find challenging</a:t>
             </a:r>
             <a:endParaRPr lang="en-GB" dirty="0">
               <a:solidFill>
@@ -12854,17 +13856,7 @@
                   </a:schemeClr>
                 </a:solidFill>
               </a:rPr>
-              <a:t>-</a:t>
-            </a:r>
-            <a:r>
-              <a:rPr lang="en-GB" dirty="0" smtClean="0">
-                <a:solidFill>
-                  <a:schemeClr val="bg1">
-                    <a:lumMod val="95000"/>
-                  </a:schemeClr>
-                </a:solidFill>
-              </a:rPr>
-              <a:t>server </a:t>
+              <a:t>-server </a:t>
             </a:r>
           </a:p>
           <a:p>
